--- a/Challenge MELI.pptx
+++ b/Challenge MELI.pptx
@@ -21,6 +21,8 @@
     <p:sldId id="266" r:id="rId17"/>
     <p:sldId id="267" r:id="rId18"/>
     <p:sldId id="268" r:id="rId19"/>
+    <p:sldId id="269" r:id="rId20"/>
+    <p:sldId id="270" r:id="rId21"/>
   </p:sldIdLst>
   <p:sldSz cy="5143500" cx="9144000"/>
   <p:notesSz cx="6858000" cy="9144000"/>
@@ -1113,7 +1115,7 @@
       </p:grpSpPr>
       <p:sp>
         <p:nvSpPr>
-          <p:cNvPr id="137" name="Google Shape;137;g3528d1215aa_0_60:notes"/>
+          <p:cNvPr id="137" name="Google Shape;137;g35696c0e3b8_0_0:notes"/>
           <p:cNvSpPr/>
           <p:nvPr>
             <p:ph idx="2" type="sldImg"/>
@@ -1148,7 +1150,205 @@
       </p:sp>
       <p:sp>
         <p:nvSpPr>
-          <p:cNvPr id="138" name="Google Shape;138;g3528d1215aa_0_60:notes"/>
+          <p:cNvPr id="138" name="Google Shape;138;g35696c0e3b8_0_0:notes"/>
+          <p:cNvSpPr txBox="1"/>
+          <p:nvPr>
+            <p:ph idx="1" type="body"/>
+          </p:nvPr>
+        </p:nvSpPr>
+        <p:spPr>
+          <a:xfrm>
+            <a:off x="685800" y="4343400"/>
+            <a:ext cx="5486400" cy="4114800"/>
+          </a:xfrm>
+          <a:prstGeom prst="rect">
+            <a:avLst/>
+          </a:prstGeom>
+        </p:spPr>
+        <p:txBody>
+          <a:bodyPr anchorCtr="0" anchor="t" bIns="91425" lIns="91425" spcFirstLastPara="1" rIns="91425" wrap="square" tIns="91425">
+            <a:noAutofit/>
+          </a:bodyPr>
+          <a:lstStyle/>
+          <a:p>
+            <a:pPr indent="0" lvl="0" marL="0" rtl="0" algn="l">
+              <a:spcBef>
+                <a:spcPts val="0"/>
+              </a:spcBef>
+              <a:spcAft>
+                <a:spcPts val="0"/>
+              </a:spcAft>
+              <a:buNone/>
+            </a:pPr>
+            <a:r>
+              <a:t/>
+            </a:r>
+            <a:endParaRPr/>
+          </a:p>
+        </p:txBody>
+      </p:sp>
+    </p:spTree>
+  </p:cSld>
+  <p:clrMapOvr>
+    <a:masterClrMapping/>
+  </p:clrMapOvr>
+</p:notes>
+</file>
+
+<file path=ppt/notesSlides/notesSlide14.xml><?xml version="1.0" encoding="utf-8"?>
+<p:notes xmlns:a="http://schemas.openxmlformats.org/drawingml/2006/main" xmlns:r="http://schemas.openxmlformats.org/officeDocument/2006/relationships" xmlns:mc="http://schemas.openxmlformats.org/markup-compatibility/2006" xmlns:mv="urn:schemas-microsoft-com:mac:vml" xmlns:p="http://schemas.openxmlformats.org/presentationml/2006/main" xmlns:c="http://schemas.openxmlformats.org/drawingml/2006/chart" xmlns:dgm="http://schemas.openxmlformats.org/drawingml/2006/diagram" xmlns:o="urn:schemas-microsoft-com:office:office" xmlns:v="urn:schemas-microsoft-com:vml" xmlns:pvml="urn:schemas-microsoft-com:office:powerpoint" xmlns:com="http://schemas.openxmlformats.org/drawingml/2006/compatibility" xmlns:p14="http://schemas.microsoft.com/office/powerpoint/2010/main" xmlns:p15="http://schemas.microsoft.com/office/powerpoint/2012/main" xmlns:ahyp="http://schemas.microsoft.com/office/drawing/2018/hyperlinkcolor" showMasterPhAnim="0" showMasterSp="0">
+  <p:cSld>
+    <p:spTree>
+      <p:nvGrpSpPr>
+        <p:cNvPr id="142" name="Shape 142"/>
+        <p:cNvGrpSpPr/>
+        <p:nvPr/>
+      </p:nvGrpSpPr>
+      <p:grpSpPr>
+        <a:xfrm>
+          <a:off x="0" y="0"/>
+          <a:ext cx="0" cy="0"/>
+          <a:chOff x="0" y="0"/>
+          <a:chExt cx="0" cy="0"/>
+        </a:xfrm>
+      </p:grpSpPr>
+      <p:sp>
+        <p:nvSpPr>
+          <p:cNvPr id="143" name="Google Shape;143;g35696c0e3b8_1_0:notes"/>
+          <p:cNvSpPr/>
+          <p:nvPr>
+            <p:ph idx="2" type="sldImg"/>
+          </p:nvPr>
+        </p:nvSpPr>
+        <p:spPr>
+          <a:xfrm>
+            <a:off x="381300" y="685800"/>
+            <a:ext cx="6096000" cy="3429000"/>
+          </a:xfrm>
+          <a:custGeom>
+            <a:rect b="b" l="l" r="r" t="t"/>
+            <a:pathLst>
+              <a:path extrusionOk="0" h="120000" w="120000">
+                <a:moveTo>
+                  <a:pt x="0" y="0"/>
+                </a:moveTo>
+                <a:lnTo>
+                  <a:pt x="120000" y="0"/>
+                </a:lnTo>
+                <a:lnTo>
+                  <a:pt x="120000" y="120000"/>
+                </a:lnTo>
+                <a:lnTo>
+                  <a:pt x="0" y="120000"/>
+                </a:lnTo>
+                <a:close/>
+              </a:path>
+            </a:pathLst>
+          </a:custGeom>
+        </p:spPr>
+      </p:sp>
+      <p:sp>
+        <p:nvSpPr>
+          <p:cNvPr id="144" name="Google Shape;144;g35696c0e3b8_1_0:notes"/>
+          <p:cNvSpPr txBox="1"/>
+          <p:nvPr>
+            <p:ph idx="1" type="body"/>
+          </p:nvPr>
+        </p:nvSpPr>
+        <p:spPr>
+          <a:xfrm>
+            <a:off x="685800" y="4343400"/>
+            <a:ext cx="5486400" cy="4114800"/>
+          </a:xfrm>
+          <a:prstGeom prst="rect">
+            <a:avLst/>
+          </a:prstGeom>
+        </p:spPr>
+        <p:txBody>
+          <a:bodyPr anchorCtr="0" anchor="t" bIns="91425" lIns="91425" spcFirstLastPara="1" rIns="91425" wrap="square" tIns="91425">
+            <a:noAutofit/>
+          </a:bodyPr>
+          <a:lstStyle/>
+          <a:p>
+            <a:pPr indent="0" lvl="0" marL="0" rtl="0" algn="l">
+              <a:spcBef>
+                <a:spcPts val="0"/>
+              </a:spcBef>
+              <a:spcAft>
+                <a:spcPts val="0"/>
+              </a:spcAft>
+              <a:buNone/>
+            </a:pPr>
+            <a:r>
+              <a:t/>
+            </a:r>
+            <a:endParaRPr/>
+          </a:p>
+        </p:txBody>
+      </p:sp>
+    </p:spTree>
+  </p:cSld>
+  <p:clrMapOvr>
+    <a:masterClrMapping/>
+  </p:clrMapOvr>
+</p:notes>
+</file>
+
+<file path=ppt/notesSlides/notesSlide15.xml><?xml version="1.0" encoding="utf-8"?>
+<p:notes xmlns:a="http://schemas.openxmlformats.org/drawingml/2006/main" xmlns:r="http://schemas.openxmlformats.org/officeDocument/2006/relationships" xmlns:mc="http://schemas.openxmlformats.org/markup-compatibility/2006" xmlns:mv="urn:schemas-microsoft-com:mac:vml" xmlns:p="http://schemas.openxmlformats.org/presentationml/2006/main" xmlns:c="http://schemas.openxmlformats.org/drawingml/2006/chart" xmlns:dgm="http://schemas.openxmlformats.org/drawingml/2006/diagram" xmlns:o="urn:schemas-microsoft-com:office:office" xmlns:v="urn:schemas-microsoft-com:vml" xmlns:pvml="urn:schemas-microsoft-com:office:powerpoint" xmlns:com="http://schemas.openxmlformats.org/drawingml/2006/compatibility" xmlns:p14="http://schemas.microsoft.com/office/powerpoint/2010/main" xmlns:p15="http://schemas.microsoft.com/office/powerpoint/2012/main" xmlns:ahyp="http://schemas.microsoft.com/office/drawing/2018/hyperlinkcolor" showMasterPhAnim="0" showMasterSp="0">
+  <p:cSld>
+    <p:spTree>
+      <p:nvGrpSpPr>
+        <p:cNvPr id="152" name="Shape 152"/>
+        <p:cNvGrpSpPr/>
+        <p:nvPr/>
+      </p:nvGrpSpPr>
+      <p:grpSpPr>
+        <a:xfrm>
+          <a:off x="0" y="0"/>
+          <a:ext cx="0" cy="0"/>
+          <a:chOff x="0" y="0"/>
+          <a:chExt cx="0" cy="0"/>
+        </a:xfrm>
+      </p:grpSpPr>
+      <p:sp>
+        <p:nvSpPr>
+          <p:cNvPr id="153" name="Google Shape;153;g3528d1215aa_0_60:notes"/>
+          <p:cNvSpPr/>
+          <p:nvPr>
+            <p:ph idx="2" type="sldImg"/>
+          </p:nvPr>
+        </p:nvSpPr>
+        <p:spPr>
+          <a:xfrm>
+            <a:off x="381300" y="685800"/>
+            <a:ext cx="6096000" cy="3429000"/>
+          </a:xfrm>
+          <a:custGeom>
+            <a:rect b="b" l="l" r="r" t="t"/>
+            <a:pathLst>
+              <a:path extrusionOk="0" h="120000" w="120000">
+                <a:moveTo>
+                  <a:pt x="0" y="0"/>
+                </a:moveTo>
+                <a:lnTo>
+                  <a:pt x="120000" y="0"/>
+                </a:lnTo>
+                <a:lnTo>
+                  <a:pt x="120000" y="120000"/>
+                </a:lnTo>
+                <a:lnTo>
+                  <a:pt x="0" y="120000"/>
+                </a:lnTo>
+                <a:close/>
+              </a:path>
+            </a:pathLst>
+          </a:custGeom>
+        </p:spPr>
+      </p:sp>
+      <p:sp>
+        <p:nvSpPr>
+          <p:cNvPr id="154" name="Google Shape;154;g3528d1215aa_0_60:notes"/>
           <p:cNvSpPr txBox="1"/>
           <p:nvPr>
             <p:ph idx="1" type="body"/>
@@ -7547,9 +7747,1192 @@
           <a:chExt cx="0" cy="0"/>
         </a:xfrm>
       </p:grpSpPr>
+      <p:sp>
+        <p:nvSpPr>
+          <p:cNvPr id="140" name="Google Shape;140;p25"/>
+          <p:cNvSpPr txBox="1"/>
+          <p:nvPr>
+            <p:ph type="ctrTitle"/>
+          </p:nvPr>
+        </p:nvSpPr>
+        <p:spPr>
+          <a:xfrm>
+            <a:off x="-23400" y="2065200"/>
+            <a:ext cx="9190800" cy="779400"/>
+          </a:xfrm>
+          <a:prstGeom prst="rect">
+            <a:avLst/>
+          </a:prstGeom>
+        </p:spPr>
+        <p:txBody>
+          <a:bodyPr anchorCtr="0" anchor="b" bIns="91425" lIns="91425" spcFirstLastPara="1" rIns="91425" wrap="square" tIns="91425">
+            <a:normAutofit/>
+          </a:bodyPr>
+          <a:lstStyle/>
+          <a:p>
+            <a:pPr indent="0" lvl="0" marL="0" rtl="0" algn="ctr">
+              <a:spcBef>
+                <a:spcPts val="0"/>
+              </a:spcBef>
+              <a:spcAft>
+                <a:spcPts val="0"/>
+              </a:spcAft>
+              <a:buSzPts val="891"/>
+              <a:buNone/>
+            </a:pPr>
+            <a:r>
+              <a:rPr lang="es" sz="2770">
+                <a:solidFill>
+                  <a:srgbClr val="2A3385"/>
+                </a:solidFill>
+              </a:rPr>
+              <a:t>Hallazgos y conclusiones</a:t>
+            </a:r>
+            <a:endParaRPr sz="3300">
+              <a:solidFill>
+                <a:srgbClr val="2A3385"/>
+              </a:solidFill>
+            </a:endParaRPr>
+          </a:p>
+        </p:txBody>
+      </p:sp>
       <p:pic>
         <p:nvPicPr>
-          <p:cNvPr id="140" name="Google Shape;140;p25"/>
+          <p:cNvPr id="141" name="Google Shape;141;p25"/>
+          <p:cNvPicPr preferRelativeResize="0"/>
+          <p:nvPr/>
+        </p:nvPicPr>
+        <p:blipFill>
+          <a:blip r:embed="rId3">
+            <a:alphaModFix/>
+          </a:blip>
+          <a:stretch>
+            <a:fillRect/>
+          </a:stretch>
+        </p:blipFill>
+        <p:spPr>
+          <a:xfrm>
+            <a:off x="132475" y="101325"/>
+            <a:ext cx="904003" cy="818351"/>
+          </a:xfrm>
+          <a:prstGeom prst="rect">
+            <a:avLst/>
+          </a:prstGeom>
+          <a:noFill/>
+          <a:ln>
+            <a:noFill/>
+          </a:ln>
+        </p:spPr>
+      </p:pic>
+    </p:spTree>
+  </p:cSld>
+  <p:clrMapOvr>
+    <a:masterClrMapping/>
+  </p:clrMapOvr>
+</p:sld>
+</file>
+
+<file path=ppt/slides/slide14.xml><?xml version="1.0" encoding="utf-8"?>
+<p:sld xmlns:a="http://schemas.openxmlformats.org/drawingml/2006/main" xmlns:r="http://schemas.openxmlformats.org/officeDocument/2006/relationships" xmlns:mc="http://schemas.openxmlformats.org/markup-compatibility/2006" xmlns:mv="urn:schemas-microsoft-com:mac:vml" xmlns:p="http://schemas.openxmlformats.org/presentationml/2006/main" xmlns:c="http://schemas.openxmlformats.org/drawingml/2006/chart" xmlns:dgm="http://schemas.openxmlformats.org/drawingml/2006/diagram" xmlns:o="urn:schemas-microsoft-com:office:office" xmlns:v="urn:schemas-microsoft-com:vml" xmlns:pvml="urn:schemas-microsoft-com:office:powerpoint" xmlns:com="http://schemas.openxmlformats.org/drawingml/2006/compatibility" xmlns:p14="http://schemas.microsoft.com/office/powerpoint/2010/main" xmlns:p15="http://schemas.microsoft.com/office/powerpoint/2012/main" xmlns:ahyp="http://schemas.microsoft.com/office/drawing/2018/hyperlinkcolor">
+  <p:cSld>
+    <p:spTree>
+      <p:nvGrpSpPr>
+        <p:cNvPr id="145" name="Shape 145"/>
+        <p:cNvGrpSpPr/>
+        <p:nvPr/>
+      </p:nvGrpSpPr>
+      <p:grpSpPr>
+        <a:xfrm>
+          <a:off x="0" y="0"/>
+          <a:ext cx="0" cy="0"/>
+          <a:chOff x="0" y="0"/>
+          <a:chExt cx="0" cy="0"/>
+        </a:xfrm>
+      </p:grpSpPr>
+      <p:sp>
+        <p:nvSpPr>
+          <p:cNvPr id="146" name="Google Shape;146;p26"/>
+          <p:cNvSpPr txBox="1"/>
+          <p:nvPr>
+            <p:ph type="ctrTitle"/>
+          </p:nvPr>
+        </p:nvSpPr>
+        <p:spPr>
+          <a:xfrm>
+            <a:off x="90900" y="76450"/>
+            <a:ext cx="8962200" cy="526500"/>
+          </a:xfrm>
+          <a:prstGeom prst="rect">
+            <a:avLst/>
+          </a:prstGeom>
+          <a:ln cap="flat" cmpd="sng" w="9525">
+            <a:solidFill>
+              <a:srgbClr val="2A3385"/>
+            </a:solidFill>
+            <a:prstDash val="solid"/>
+            <a:round/>
+            <a:headEnd len="sm" w="sm" type="none"/>
+            <a:tailEnd len="sm" w="sm" type="none"/>
+          </a:ln>
+        </p:spPr>
+        <p:txBody>
+          <a:bodyPr anchorCtr="0" anchor="b" bIns="91425" lIns="91425" spcFirstLastPara="1" rIns="91425" wrap="square" tIns="91425">
+            <a:noAutofit/>
+          </a:bodyPr>
+          <a:lstStyle/>
+          <a:p>
+            <a:pPr indent="0" lvl="0" marL="0" rtl="0" algn="ctr">
+              <a:spcBef>
+                <a:spcPts val="0"/>
+              </a:spcBef>
+              <a:spcAft>
+                <a:spcPts val="0"/>
+              </a:spcAft>
+              <a:buClr>
+                <a:srgbClr val="000000"/>
+              </a:buClr>
+              <a:buSzPts val="891"/>
+              <a:buFont typeface="Arial"/>
+              <a:buNone/>
+            </a:pPr>
+            <a:r>
+              <a:rPr lang="es" sz="2770">
+                <a:solidFill>
+                  <a:srgbClr val="2A3385"/>
+                </a:solidFill>
+              </a:rPr>
+              <a:t>Hallazgos y conclusiones</a:t>
+            </a:r>
+            <a:endParaRPr sz="2770">
+              <a:solidFill>
+                <a:srgbClr val="2A3385"/>
+              </a:solidFill>
+            </a:endParaRPr>
+          </a:p>
+        </p:txBody>
+      </p:sp>
+      <p:pic>
+        <p:nvPicPr>
+          <p:cNvPr id="147" name="Google Shape;147;p26"/>
+          <p:cNvPicPr preferRelativeResize="0"/>
+          <p:nvPr/>
+        </p:nvPicPr>
+        <p:blipFill>
+          <a:blip r:embed="rId3">
+            <a:alphaModFix/>
+          </a:blip>
+          <a:stretch>
+            <a:fillRect/>
+          </a:stretch>
+        </p:blipFill>
+        <p:spPr>
+          <a:xfrm>
+            <a:off x="8240000" y="4325150"/>
+            <a:ext cx="826501" cy="748191"/>
+          </a:xfrm>
+          <a:prstGeom prst="rect">
+            <a:avLst/>
+          </a:prstGeom>
+          <a:noFill/>
+          <a:ln>
+            <a:noFill/>
+          </a:ln>
+        </p:spPr>
+      </p:pic>
+      <p:sp>
+        <p:nvSpPr>
+          <p:cNvPr id="148" name="Google Shape;148;p26"/>
+          <p:cNvSpPr txBox="1"/>
+          <p:nvPr/>
+        </p:nvSpPr>
+        <p:spPr>
+          <a:xfrm>
+            <a:off x="169200" y="687200"/>
+            <a:ext cx="4912500" cy="4594500"/>
+          </a:xfrm>
+          <a:prstGeom prst="rect">
+            <a:avLst/>
+          </a:prstGeom>
+          <a:noFill/>
+          <a:ln>
+            <a:noFill/>
+          </a:ln>
+        </p:spPr>
+        <p:txBody>
+          <a:bodyPr anchorCtr="0" anchor="t" bIns="91425" lIns="91425" spcFirstLastPara="1" rIns="91425" wrap="square" tIns="91425">
+            <a:spAutoFit/>
+          </a:bodyPr>
+          <a:lstStyle/>
+          <a:p>
+            <a:pPr indent="-285750" lvl="0" marL="457200" rtl="0" algn="l">
+              <a:lnSpc>
+                <a:spcPct val="150000"/>
+              </a:lnSpc>
+              <a:spcBef>
+                <a:spcPts val="1200"/>
+              </a:spcBef>
+              <a:spcAft>
+                <a:spcPts val="0"/>
+              </a:spcAft>
+              <a:buClr>
+                <a:srgbClr val="2A3385"/>
+              </a:buClr>
+              <a:buSzPts val="900"/>
+              <a:buChar char="➢"/>
+            </a:pPr>
+            <a:r>
+              <a:rPr b="1" lang="es" sz="900">
+                <a:solidFill>
+                  <a:srgbClr val="2A3385"/>
+                </a:solidFill>
+              </a:rPr>
+              <a:t>Alta tasa de rollbacks</a:t>
+            </a:r>
+            <a:endParaRPr sz="900">
+              <a:solidFill>
+                <a:srgbClr val="2A3385"/>
+              </a:solidFill>
+            </a:endParaRPr>
+          </a:p>
+          <a:p>
+            <a:pPr indent="-279400" lvl="1" marL="914400" rtl="0" algn="l">
+              <a:lnSpc>
+                <a:spcPct val="150000"/>
+              </a:lnSpc>
+              <a:spcBef>
+                <a:spcPts val="0"/>
+              </a:spcBef>
+              <a:spcAft>
+                <a:spcPts val="0"/>
+              </a:spcAft>
+              <a:buClr>
+                <a:schemeClr val="dk1"/>
+              </a:buClr>
+              <a:buSzPts val="800"/>
+              <a:buChar char="○"/>
+            </a:pPr>
+            <a:r>
+              <a:rPr lang="es" sz="800">
+                <a:solidFill>
+                  <a:schemeClr val="dk1"/>
+                </a:solidFill>
+              </a:rPr>
+              <a:t>Más del 5% de los despliegues requieren corrección.</a:t>
+            </a:r>
+            <a:endParaRPr sz="800">
+              <a:solidFill>
+                <a:schemeClr val="dk1"/>
+              </a:solidFill>
+            </a:endParaRPr>
+          </a:p>
+          <a:p>
+            <a:pPr indent="-279400" lvl="2" marL="1371600" rtl="0" algn="l">
+              <a:lnSpc>
+                <a:spcPct val="150000"/>
+              </a:lnSpc>
+              <a:spcBef>
+                <a:spcPts val="0"/>
+              </a:spcBef>
+              <a:spcAft>
+                <a:spcPts val="0"/>
+              </a:spcAft>
+              <a:buClr>
+                <a:schemeClr val="dk1"/>
+              </a:buClr>
+              <a:buSzPts val="800"/>
+              <a:buChar char="■"/>
+            </a:pPr>
+            <a:r>
+              <a:rPr lang="es" sz="800">
+                <a:solidFill>
+                  <a:schemeClr val="dk1"/>
+                </a:solidFill>
+              </a:rPr>
+              <a:t> </a:t>
+            </a:r>
+            <a:r>
+              <a:rPr i="1" lang="es" sz="800">
+                <a:solidFill>
+                  <a:schemeClr val="dk1"/>
+                </a:solidFill>
+              </a:rPr>
+              <a:t>Fortalecer testing y validaciones previas. </a:t>
+            </a:r>
+            <a:endParaRPr i="1" sz="800">
+              <a:solidFill>
+                <a:schemeClr val="dk1"/>
+              </a:solidFill>
+            </a:endParaRPr>
+          </a:p>
+          <a:p>
+            <a:pPr indent="-285750" lvl="0" marL="457200" rtl="0" algn="l">
+              <a:lnSpc>
+                <a:spcPct val="150000"/>
+              </a:lnSpc>
+              <a:spcBef>
+                <a:spcPts val="0"/>
+              </a:spcBef>
+              <a:spcAft>
+                <a:spcPts val="0"/>
+              </a:spcAft>
+              <a:buClr>
+                <a:srgbClr val="2A3385"/>
+              </a:buClr>
+              <a:buSzPts val="900"/>
+              <a:buChar char="➢"/>
+            </a:pPr>
+            <a:r>
+              <a:rPr b="1" lang="es" sz="900">
+                <a:solidFill>
+                  <a:srgbClr val="2A3385"/>
+                </a:solidFill>
+              </a:rPr>
+              <a:t>Concentración de acciones críticas en pocos usuarios</a:t>
+            </a:r>
+            <a:endParaRPr b="1" sz="900">
+              <a:solidFill>
+                <a:srgbClr val="2A3385"/>
+              </a:solidFill>
+            </a:endParaRPr>
+          </a:p>
+          <a:p>
+            <a:pPr indent="-279400" lvl="1" marL="914400" rtl="0" algn="l">
+              <a:lnSpc>
+                <a:spcPct val="150000"/>
+              </a:lnSpc>
+              <a:spcBef>
+                <a:spcPts val="0"/>
+              </a:spcBef>
+              <a:spcAft>
+                <a:spcPts val="0"/>
+              </a:spcAft>
+              <a:buClr>
+                <a:schemeClr val="dk1"/>
+              </a:buClr>
+              <a:buSzPts val="800"/>
+              <a:buChar char="○"/>
+            </a:pPr>
+            <a:r>
+              <a:rPr lang="es" sz="800">
+                <a:solidFill>
+                  <a:schemeClr val="dk1"/>
+                </a:solidFill>
+              </a:rPr>
+              <a:t> Algunos usuarios realizan muchos rollbacks.</a:t>
+            </a:r>
+            <a:endParaRPr sz="800">
+              <a:solidFill>
+                <a:schemeClr val="dk1"/>
+              </a:solidFill>
+            </a:endParaRPr>
+          </a:p>
+          <a:p>
+            <a:pPr indent="-279400" lvl="2" marL="1371600" rtl="0" algn="l">
+              <a:lnSpc>
+                <a:spcPct val="150000"/>
+              </a:lnSpc>
+              <a:spcBef>
+                <a:spcPts val="0"/>
+              </a:spcBef>
+              <a:spcAft>
+                <a:spcPts val="0"/>
+              </a:spcAft>
+              <a:buClr>
+                <a:schemeClr val="dk1"/>
+              </a:buClr>
+              <a:buSzPts val="800"/>
+              <a:buChar char="■"/>
+            </a:pPr>
+            <a:r>
+              <a:rPr i="1" lang="es" sz="800">
+                <a:solidFill>
+                  <a:schemeClr val="dk1"/>
+                </a:solidFill>
+              </a:rPr>
+              <a:t>Aplicar revisión cruzada y rotación de tareas.</a:t>
+            </a:r>
+            <a:endParaRPr i="1" sz="800">
+              <a:solidFill>
+                <a:schemeClr val="dk1"/>
+              </a:solidFill>
+            </a:endParaRPr>
+          </a:p>
+          <a:p>
+            <a:pPr indent="-285750" lvl="0" marL="457200" rtl="0" algn="l">
+              <a:lnSpc>
+                <a:spcPct val="150000"/>
+              </a:lnSpc>
+              <a:spcBef>
+                <a:spcPts val="0"/>
+              </a:spcBef>
+              <a:spcAft>
+                <a:spcPts val="0"/>
+              </a:spcAft>
+              <a:buClr>
+                <a:schemeClr val="dk1"/>
+              </a:buClr>
+              <a:buSzPts val="900"/>
+              <a:buChar char="➢"/>
+            </a:pPr>
+            <a:r>
+              <a:rPr b="1" lang="es" sz="900">
+                <a:solidFill>
+                  <a:srgbClr val="2A3385"/>
+                </a:solidFill>
+              </a:rPr>
+              <a:t>Rol 'admin' sobrerrepresentado</a:t>
+            </a:r>
+            <a:endParaRPr b="1" sz="900">
+              <a:solidFill>
+                <a:srgbClr val="2A3385"/>
+              </a:solidFill>
+            </a:endParaRPr>
+          </a:p>
+          <a:p>
+            <a:pPr indent="-279400" lvl="1" marL="914400" rtl="0" algn="l">
+              <a:lnSpc>
+                <a:spcPct val="150000"/>
+              </a:lnSpc>
+              <a:spcBef>
+                <a:spcPts val="0"/>
+              </a:spcBef>
+              <a:spcAft>
+                <a:spcPts val="0"/>
+              </a:spcAft>
+              <a:buClr>
+                <a:schemeClr val="dk1"/>
+              </a:buClr>
+              <a:buSzPts val="800"/>
+              <a:buChar char="○"/>
+            </a:pPr>
+            <a:r>
+              <a:rPr lang="es" sz="800">
+                <a:solidFill>
+                  <a:schemeClr val="dk1"/>
+                </a:solidFill>
+              </a:rPr>
+              <a:t>Alta participación en deploys con privilegios altos.</a:t>
+            </a:r>
+            <a:endParaRPr sz="800">
+              <a:solidFill>
+                <a:schemeClr val="dk1"/>
+              </a:solidFill>
+            </a:endParaRPr>
+          </a:p>
+          <a:p>
+            <a:pPr indent="-279400" lvl="2" marL="1371600" rtl="0" algn="l">
+              <a:lnSpc>
+                <a:spcPct val="150000"/>
+              </a:lnSpc>
+              <a:spcBef>
+                <a:spcPts val="0"/>
+              </a:spcBef>
+              <a:spcAft>
+                <a:spcPts val="0"/>
+              </a:spcAft>
+              <a:buClr>
+                <a:schemeClr val="dk1"/>
+              </a:buClr>
+              <a:buSzPts val="800"/>
+              <a:buChar char="■"/>
+            </a:pPr>
+            <a:r>
+              <a:rPr i="1" lang="es" sz="800">
+                <a:solidFill>
+                  <a:schemeClr val="dk1"/>
+                </a:solidFill>
+              </a:rPr>
+              <a:t>Aplicar permisos mínimos y necesarios para que el usuario pueda hacer su trabajo.</a:t>
+            </a:r>
+            <a:endParaRPr i="1" sz="800">
+              <a:solidFill>
+                <a:schemeClr val="dk1"/>
+              </a:solidFill>
+            </a:endParaRPr>
+          </a:p>
+          <a:p>
+            <a:pPr indent="-285750" lvl="0" marL="457200" marR="0" rtl="0" algn="l">
+              <a:lnSpc>
+                <a:spcPct val="150000"/>
+              </a:lnSpc>
+              <a:spcBef>
+                <a:spcPts val="0"/>
+              </a:spcBef>
+              <a:spcAft>
+                <a:spcPts val="0"/>
+              </a:spcAft>
+              <a:buClr>
+                <a:schemeClr val="dk1"/>
+              </a:buClr>
+              <a:buSzPts val="900"/>
+              <a:buChar char="➢"/>
+            </a:pPr>
+            <a:r>
+              <a:rPr b="1" lang="es" sz="900">
+                <a:solidFill>
+                  <a:srgbClr val="2A3385"/>
+                </a:solidFill>
+              </a:rPr>
+              <a:t>Equipos con mayor frecuencia de fallo</a:t>
+            </a:r>
+            <a:endParaRPr b="1" sz="900">
+              <a:solidFill>
+                <a:srgbClr val="2A3385"/>
+              </a:solidFill>
+            </a:endParaRPr>
+          </a:p>
+          <a:p>
+            <a:pPr indent="-279400" lvl="1" marL="914400" rtl="0" algn="l">
+              <a:lnSpc>
+                <a:spcPct val="150000"/>
+              </a:lnSpc>
+              <a:spcBef>
+                <a:spcPts val="0"/>
+              </a:spcBef>
+              <a:spcAft>
+                <a:spcPts val="0"/>
+              </a:spcAft>
+              <a:buClr>
+                <a:schemeClr val="dk1"/>
+              </a:buClr>
+              <a:buSzPts val="800"/>
+              <a:buChar char="○"/>
+            </a:pPr>
+            <a:r>
+              <a:rPr lang="es" sz="800">
+                <a:solidFill>
+                  <a:schemeClr val="dk1"/>
+                </a:solidFill>
+              </a:rPr>
+              <a:t>Indicadores muestran focos de inestabilidad</a:t>
+            </a:r>
+            <a:r>
+              <a:rPr lang="es" sz="800">
+                <a:solidFill>
+                  <a:schemeClr val="dk1"/>
+                </a:solidFill>
+              </a:rPr>
+              <a:t>.</a:t>
+            </a:r>
+            <a:endParaRPr sz="800">
+              <a:solidFill>
+                <a:schemeClr val="dk1"/>
+              </a:solidFill>
+            </a:endParaRPr>
+          </a:p>
+          <a:p>
+            <a:pPr indent="-279400" lvl="2" marL="1371600" rtl="0" algn="l">
+              <a:lnSpc>
+                <a:spcPct val="150000"/>
+              </a:lnSpc>
+              <a:spcBef>
+                <a:spcPts val="0"/>
+              </a:spcBef>
+              <a:spcAft>
+                <a:spcPts val="0"/>
+              </a:spcAft>
+              <a:buClr>
+                <a:schemeClr val="dk1"/>
+              </a:buClr>
+              <a:buSzPts val="800"/>
+              <a:buChar char="■"/>
+            </a:pPr>
+            <a:r>
+              <a:rPr i="1" lang="es" sz="800">
+                <a:solidFill>
+                  <a:schemeClr val="dk1"/>
+                </a:solidFill>
+              </a:rPr>
+              <a:t>Reforzar prácticas y capacidades técnicas.</a:t>
+            </a:r>
+            <a:endParaRPr i="1" sz="800">
+              <a:solidFill>
+                <a:schemeClr val="dk1"/>
+              </a:solidFill>
+            </a:endParaRPr>
+          </a:p>
+          <a:p>
+            <a:pPr indent="-285750" lvl="0" marL="457200" marR="0" rtl="0" algn="l">
+              <a:lnSpc>
+                <a:spcPct val="150000"/>
+              </a:lnSpc>
+              <a:spcBef>
+                <a:spcPts val="0"/>
+              </a:spcBef>
+              <a:spcAft>
+                <a:spcPts val="0"/>
+              </a:spcAft>
+              <a:buClr>
+                <a:schemeClr val="dk1"/>
+              </a:buClr>
+              <a:buSzPts val="900"/>
+              <a:buChar char="➢"/>
+            </a:pPr>
+            <a:r>
+              <a:rPr b="1" lang="es" sz="900">
+                <a:solidFill>
+                  <a:srgbClr val="2A3385"/>
+                </a:solidFill>
+              </a:rPr>
+              <a:t>Sobrecarga operativa en equipos con apps críticas</a:t>
+            </a:r>
+            <a:endParaRPr b="1" sz="900">
+              <a:solidFill>
+                <a:srgbClr val="2A3385"/>
+              </a:solidFill>
+            </a:endParaRPr>
+          </a:p>
+          <a:p>
+            <a:pPr indent="-279400" lvl="1" marL="914400" rtl="0" algn="l">
+              <a:lnSpc>
+                <a:spcPct val="150000"/>
+              </a:lnSpc>
+              <a:spcBef>
+                <a:spcPts val="0"/>
+              </a:spcBef>
+              <a:spcAft>
+                <a:spcPts val="0"/>
+              </a:spcAft>
+              <a:buClr>
+                <a:schemeClr val="dk1"/>
+              </a:buClr>
+              <a:buSzPts val="800"/>
+              <a:buChar char="○"/>
+            </a:pPr>
+            <a:r>
+              <a:rPr lang="es" sz="800">
+                <a:solidFill>
+                  <a:schemeClr val="dk1"/>
+                </a:solidFill>
+              </a:rPr>
+              <a:t> Pocos equipos concentran responsabilidad crítica.</a:t>
+            </a:r>
+            <a:endParaRPr sz="800">
+              <a:solidFill>
+                <a:schemeClr val="dk1"/>
+              </a:solidFill>
+            </a:endParaRPr>
+          </a:p>
+          <a:p>
+            <a:pPr indent="-279400" lvl="2" marL="1371600" rtl="0" algn="l">
+              <a:lnSpc>
+                <a:spcPct val="150000"/>
+              </a:lnSpc>
+              <a:spcBef>
+                <a:spcPts val="0"/>
+              </a:spcBef>
+              <a:spcAft>
+                <a:spcPts val="0"/>
+              </a:spcAft>
+              <a:buClr>
+                <a:schemeClr val="dk1"/>
+              </a:buClr>
+              <a:buSzPts val="800"/>
+              <a:buChar char="■"/>
+            </a:pPr>
+            <a:r>
+              <a:rPr i="1" lang="es" sz="800">
+                <a:solidFill>
+                  <a:schemeClr val="dk1"/>
+                </a:solidFill>
+              </a:rPr>
+              <a:t>Redistribuir carga o reforzar soporte.</a:t>
+            </a:r>
+            <a:endParaRPr i="1" sz="800">
+              <a:solidFill>
+                <a:schemeClr val="dk1"/>
+              </a:solidFill>
+            </a:endParaRPr>
+          </a:p>
+          <a:p>
+            <a:pPr indent="-285750" lvl="0" marL="457200" rtl="0" algn="l">
+              <a:lnSpc>
+                <a:spcPct val="150000"/>
+              </a:lnSpc>
+              <a:spcBef>
+                <a:spcPts val="0"/>
+              </a:spcBef>
+              <a:spcAft>
+                <a:spcPts val="0"/>
+              </a:spcAft>
+              <a:buClr>
+                <a:schemeClr val="dk1"/>
+              </a:buClr>
+              <a:buSzPts val="900"/>
+              <a:buChar char="➢"/>
+            </a:pPr>
+            <a:r>
+              <a:rPr b="1" lang="es" sz="900">
+                <a:solidFill>
+                  <a:srgbClr val="2A3385"/>
+                </a:solidFill>
+              </a:rPr>
+              <a:t>Usuarios con múltiples asignaciones de equipo</a:t>
+            </a:r>
+            <a:endParaRPr sz="900">
+              <a:solidFill>
+                <a:schemeClr val="dk1"/>
+              </a:solidFill>
+            </a:endParaRPr>
+          </a:p>
+          <a:p>
+            <a:pPr indent="-279400" lvl="1" marL="914400" rtl="0" algn="l">
+              <a:lnSpc>
+                <a:spcPct val="150000"/>
+              </a:lnSpc>
+              <a:spcBef>
+                <a:spcPts val="0"/>
+              </a:spcBef>
+              <a:spcAft>
+                <a:spcPts val="0"/>
+              </a:spcAft>
+              <a:buClr>
+                <a:schemeClr val="dk1"/>
+              </a:buClr>
+              <a:buSzPts val="800"/>
+              <a:buChar char="○"/>
+            </a:pPr>
+            <a:r>
+              <a:rPr lang="es" sz="800">
+                <a:solidFill>
+                  <a:schemeClr val="dk1"/>
+                </a:solidFill>
+              </a:rPr>
+              <a:t>Potencial dispersión y sobrecarga.</a:t>
+            </a:r>
+            <a:endParaRPr sz="800">
+              <a:solidFill>
+                <a:schemeClr val="dk1"/>
+              </a:solidFill>
+            </a:endParaRPr>
+          </a:p>
+          <a:p>
+            <a:pPr indent="-285750" lvl="2" marL="1371600" rtl="0" algn="l">
+              <a:lnSpc>
+                <a:spcPct val="150000"/>
+              </a:lnSpc>
+              <a:spcBef>
+                <a:spcPts val="0"/>
+              </a:spcBef>
+              <a:spcAft>
+                <a:spcPts val="0"/>
+              </a:spcAft>
+              <a:buClr>
+                <a:schemeClr val="dk1"/>
+              </a:buClr>
+              <a:buSzPts val="900"/>
+              <a:buChar char="■"/>
+            </a:pPr>
+            <a:r>
+              <a:rPr i="1" lang="es" sz="800">
+                <a:solidFill>
+                  <a:schemeClr val="dk1"/>
+                </a:solidFill>
+              </a:rPr>
+              <a:t>Evaluar foco y reestructurar funciones si es necesario.</a:t>
+            </a:r>
+            <a:endParaRPr i="1" sz="800">
+              <a:solidFill>
+                <a:schemeClr val="dk1"/>
+              </a:solidFill>
+            </a:endParaRPr>
+          </a:p>
+          <a:p>
+            <a:pPr indent="-285750" lvl="0" marL="457200" rtl="0" algn="l">
+              <a:lnSpc>
+                <a:spcPct val="150000"/>
+              </a:lnSpc>
+              <a:spcBef>
+                <a:spcPts val="0"/>
+              </a:spcBef>
+              <a:spcAft>
+                <a:spcPts val="0"/>
+              </a:spcAft>
+              <a:buClr>
+                <a:schemeClr val="dk1"/>
+              </a:buClr>
+              <a:buSzPts val="900"/>
+              <a:buChar char="➢"/>
+            </a:pPr>
+            <a:r>
+              <a:rPr b="1" lang="es" sz="900">
+                <a:solidFill>
+                  <a:srgbClr val="2A3385"/>
+                </a:solidFill>
+              </a:rPr>
+              <a:t>U</a:t>
+            </a:r>
+            <a:r>
+              <a:rPr b="1" lang="es" sz="900">
+                <a:solidFill>
+                  <a:srgbClr val="2A3385"/>
+                </a:solidFill>
+              </a:rPr>
+              <a:t>suarios pueden desplegar y revertir sus propios cambios</a:t>
+            </a:r>
+            <a:endParaRPr b="1" sz="900">
+              <a:solidFill>
+                <a:srgbClr val="2A3385"/>
+              </a:solidFill>
+            </a:endParaRPr>
+          </a:p>
+          <a:p>
+            <a:pPr indent="-279400" lvl="1" marL="914400" rtl="0" algn="l">
+              <a:lnSpc>
+                <a:spcPct val="150000"/>
+              </a:lnSpc>
+              <a:spcBef>
+                <a:spcPts val="0"/>
+              </a:spcBef>
+              <a:spcAft>
+                <a:spcPts val="0"/>
+              </a:spcAft>
+              <a:buClr>
+                <a:schemeClr val="dk1"/>
+              </a:buClr>
+              <a:buSzPts val="800"/>
+              <a:buChar char="○"/>
+            </a:pPr>
+            <a:r>
+              <a:rPr lang="es" sz="800">
+                <a:solidFill>
+                  <a:schemeClr val="dk1"/>
+                </a:solidFill>
+              </a:rPr>
+              <a:t>Usuarios con doble acción: despliegan y luego hacen rollback.</a:t>
+            </a:r>
+            <a:endParaRPr sz="800">
+              <a:solidFill>
+                <a:schemeClr val="dk1"/>
+              </a:solidFill>
+            </a:endParaRPr>
+          </a:p>
+          <a:p>
+            <a:pPr indent="-285750" lvl="2" marL="1371600" rtl="0" algn="l">
+              <a:lnSpc>
+                <a:spcPct val="150000"/>
+              </a:lnSpc>
+              <a:spcBef>
+                <a:spcPts val="0"/>
+              </a:spcBef>
+              <a:spcAft>
+                <a:spcPts val="0"/>
+              </a:spcAft>
+              <a:buClr>
+                <a:schemeClr val="dk1"/>
+              </a:buClr>
+              <a:buSzPts val="900"/>
+              <a:buChar char="■"/>
+            </a:pPr>
+            <a:r>
+              <a:rPr lang="es" sz="800">
+                <a:solidFill>
+                  <a:schemeClr val="dk1"/>
+                </a:solidFill>
+              </a:rPr>
+              <a:t>Puede indicar falta de revisión o urgencia sin procesos formales.</a:t>
+            </a:r>
+            <a:br>
+              <a:rPr i="1" lang="es" sz="900">
+                <a:solidFill>
+                  <a:schemeClr val="dk1"/>
+                </a:solidFill>
+              </a:rPr>
+            </a:br>
+            <a:endParaRPr b="1" sz="900">
+              <a:solidFill>
+                <a:schemeClr val="dk1"/>
+              </a:solidFill>
+            </a:endParaRPr>
+          </a:p>
+        </p:txBody>
+      </p:sp>
+      <p:sp>
+        <p:nvSpPr>
+          <p:cNvPr id="149" name="Google Shape;149;p26"/>
+          <p:cNvSpPr txBox="1"/>
+          <p:nvPr>
+            <p:ph type="ctrTitle"/>
+          </p:nvPr>
+        </p:nvSpPr>
+        <p:spPr>
+          <a:xfrm>
+            <a:off x="5448850" y="1323000"/>
+            <a:ext cx="3155100" cy="2732400"/>
+          </a:xfrm>
+          <a:prstGeom prst="rect">
+            <a:avLst/>
+          </a:prstGeom>
+          <a:ln cap="flat" cmpd="sng" w="9525">
+            <a:solidFill>
+              <a:srgbClr val="2A3385"/>
+            </a:solidFill>
+            <a:prstDash val="solid"/>
+            <a:round/>
+            <a:headEnd len="sm" w="sm" type="none"/>
+            <a:tailEnd len="sm" w="sm" type="none"/>
+          </a:ln>
+        </p:spPr>
+        <p:txBody>
+          <a:bodyPr anchorCtr="0" anchor="b" bIns="91425" lIns="91425" spcFirstLastPara="1" rIns="91425" wrap="square" tIns="91425">
+            <a:noAutofit/>
+          </a:bodyPr>
+          <a:lstStyle/>
+          <a:p>
+            <a:pPr indent="0" lvl="0" marL="0" rtl="0" algn="ctr">
+              <a:spcBef>
+                <a:spcPts val="0"/>
+              </a:spcBef>
+              <a:spcAft>
+                <a:spcPts val="0"/>
+              </a:spcAft>
+              <a:buSzPts val="990"/>
+              <a:buNone/>
+            </a:pPr>
+            <a:r>
+              <a:rPr lang="es" sz="1100">
+                <a:solidFill>
+                  <a:srgbClr val="2A3385"/>
+                </a:solidFill>
+              </a:rPr>
+              <a:t>Este informe sirve para identificar los riesgos tecnológicos clave relacionados con fallos frecuentes en despliegues, exceso de privilegios en usuarios con rol admin y sobrecarga en equipos críticos. </a:t>
+            </a:r>
+            <a:endParaRPr sz="1100">
+              <a:solidFill>
+                <a:srgbClr val="2A3385"/>
+              </a:solidFill>
+            </a:endParaRPr>
+          </a:p>
+          <a:p>
+            <a:pPr indent="0" lvl="0" marL="0" rtl="0" algn="ctr">
+              <a:spcBef>
+                <a:spcPts val="0"/>
+              </a:spcBef>
+              <a:spcAft>
+                <a:spcPts val="0"/>
+              </a:spcAft>
+              <a:buSzPts val="990"/>
+              <a:buNone/>
+            </a:pPr>
+            <a:r>
+              <a:t/>
+            </a:r>
+            <a:endParaRPr sz="1100">
+              <a:solidFill>
+                <a:srgbClr val="2A3385"/>
+              </a:solidFill>
+            </a:endParaRPr>
+          </a:p>
+          <a:p>
+            <a:pPr indent="0" lvl="0" marL="0" rtl="0" algn="ctr">
+              <a:spcBef>
+                <a:spcPts val="0"/>
+              </a:spcBef>
+              <a:spcAft>
+                <a:spcPts val="0"/>
+              </a:spcAft>
+              <a:buSzPts val="990"/>
+              <a:buNone/>
+            </a:pPr>
+            <a:r>
+              <a:rPr lang="es" sz="1100">
+                <a:solidFill>
+                  <a:srgbClr val="2A3385"/>
+                </a:solidFill>
+              </a:rPr>
+              <a:t>A través de estos indicadores y visualizaciones interactivas, se pueden cuantificar los riesgos y proponer controles como la revisión de accesos, redistribución de responsabilidades y mejora de prácticas técnicas. </a:t>
+            </a:r>
+            <a:endParaRPr sz="1100">
+              <a:solidFill>
+                <a:srgbClr val="2A3385"/>
+              </a:solidFill>
+            </a:endParaRPr>
+          </a:p>
+          <a:p>
+            <a:pPr indent="0" lvl="0" marL="0" rtl="0" algn="ctr">
+              <a:spcBef>
+                <a:spcPts val="0"/>
+              </a:spcBef>
+              <a:spcAft>
+                <a:spcPts val="0"/>
+              </a:spcAft>
+              <a:buSzPts val="990"/>
+              <a:buNone/>
+            </a:pPr>
+            <a:r>
+              <a:t/>
+            </a:r>
+            <a:endParaRPr sz="1100">
+              <a:solidFill>
+                <a:srgbClr val="2A3385"/>
+              </a:solidFill>
+            </a:endParaRPr>
+          </a:p>
+          <a:p>
+            <a:pPr indent="0" lvl="0" marL="0" rtl="0" algn="ctr">
+              <a:spcBef>
+                <a:spcPts val="0"/>
+              </a:spcBef>
+              <a:spcAft>
+                <a:spcPts val="0"/>
+              </a:spcAft>
+              <a:buSzPts val="990"/>
+              <a:buNone/>
+            </a:pPr>
+            <a:r>
+              <a:rPr lang="es" sz="1100">
+                <a:solidFill>
+                  <a:srgbClr val="2A3385"/>
+                </a:solidFill>
+              </a:rPr>
+              <a:t>Estas acciones pueden fortalecer los mecanismos de control interno y disminuyen la probabilidad de incidentes operativos.</a:t>
+            </a:r>
+            <a:endParaRPr sz="1100">
+              <a:solidFill>
+                <a:srgbClr val="2A3385"/>
+              </a:solidFill>
+            </a:endParaRPr>
+          </a:p>
+        </p:txBody>
+      </p:sp>
+      <p:sp>
+        <p:nvSpPr>
+          <p:cNvPr id="150" name="Google Shape;150;p26"/>
+          <p:cNvSpPr txBox="1"/>
+          <p:nvPr>
+            <p:ph type="ctrTitle"/>
+          </p:nvPr>
+        </p:nvSpPr>
+        <p:spPr>
+          <a:xfrm>
+            <a:off x="90900" y="687200"/>
+            <a:ext cx="5029200" cy="4386300"/>
+          </a:xfrm>
+          <a:prstGeom prst="rect">
+            <a:avLst/>
+          </a:prstGeom>
+          <a:ln cap="flat" cmpd="sng" w="9525">
+            <a:solidFill>
+              <a:srgbClr val="2A3385"/>
+            </a:solidFill>
+            <a:prstDash val="solid"/>
+            <a:round/>
+            <a:headEnd len="sm" w="sm" type="none"/>
+            <a:tailEnd len="sm" w="sm" type="none"/>
+          </a:ln>
+        </p:spPr>
+        <p:txBody>
+          <a:bodyPr anchorCtr="0" anchor="b" bIns="91425" lIns="91425" spcFirstLastPara="1" rIns="91425" wrap="square" tIns="91425">
+            <a:noAutofit/>
+          </a:bodyPr>
+          <a:lstStyle/>
+          <a:p>
+            <a:pPr indent="0" lvl="0" marL="0" rtl="0" algn="ctr">
+              <a:spcBef>
+                <a:spcPts val="0"/>
+              </a:spcBef>
+              <a:spcAft>
+                <a:spcPts val="0"/>
+              </a:spcAft>
+              <a:buSzPts val="990"/>
+              <a:buNone/>
+            </a:pPr>
+            <a:r>
+              <a:t/>
+            </a:r>
+            <a:endParaRPr sz="1100">
+              <a:solidFill>
+                <a:srgbClr val="2A3385"/>
+              </a:solidFill>
+            </a:endParaRPr>
+          </a:p>
+        </p:txBody>
+      </p:sp>
+      <p:sp>
+        <p:nvSpPr>
+          <p:cNvPr id="151" name="Google Shape;151;p26"/>
+          <p:cNvSpPr txBox="1"/>
+          <p:nvPr/>
+        </p:nvSpPr>
+        <p:spPr>
+          <a:xfrm>
+            <a:off x="6063400" y="4628450"/>
+            <a:ext cx="1926000" cy="444900"/>
+          </a:xfrm>
+          <a:prstGeom prst="rect">
+            <a:avLst/>
+          </a:prstGeom>
+          <a:noFill/>
+          <a:ln>
+            <a:noFill/>
+          </a:ln>
+        </p:spPr>
+        <p:txBody>
+          <a:bodyPr anchorCtr="0" anchor="t" bIns="91425" lIns="91425" spcFirstLastPara="1" rIns="91425" wrap="square" tIns="91425">
+            <a:noAutofit/>
+          </a:bodyPr>
+          <a:lstStyle/>
+          <a:p>
+            <a:pPr indent="0" lvl="0" marL="0" rtl="0" algn="l">
+              <a:spcBef>
+                <a:spcPts val="0"/>
+              </a:spcBef>
+              <a:spcAft>
+                <a:spcPts val="0"/>
+              </a:spcAft>
+              <a:buNone/>
+            </a:pPr>
+            <a:r>
+              <a:rPr b="1" lang="es" sz="1600">
+                <a:solidFill>
+                  <a:srgbClr val="2A3385"/>
+                </a:solidFill>
+              </a:rPr>
+              <a:t>Bruno Rodriguez</a:t>
+            </a:r>
+            <a:endParaRPr b="1" sz="1600">
+              <a:solidFill>
+                <a:srgbClr val="2A3385"/>
+              </a:solidFill>
+            </a:endParaRPr>
+          </a:p>
+        </p:txBody>
+      </p:sp>
+    </p:spTree>
+  </p:cSld>
+  <p:clrMapOvr>
+    <a:masterClrMapping/>
+  </p:clrMapOvr>
+</p:sld>
+</file>
+
+<file path=ppt/slides/slide15.xml><?xml version="1.0" encoding="utf-8"?>
+<p:sld xmlns:a="http://schemas.openxmlformats.org/drawingml/2006/main" xmlns:r="http://schemas.openxmlformats.org/officeDocument/2006/relationships" xmlns:mc="http://schemas.openxmlformats.org/markup-compatibility/2006" xmlns:mv="urn:schemas-microsoft-com:mac:vml" xmlns:p="http://schemas.openxmlformats.org/presentationml/2006/main" xmlns:c="http://schemas.openxmlformats.org/drawingml/2006/chart" xmlns:dgm="http://schemas.openxmlformats.org/drawingml/2006/diagram" xmlns:o="urn:schemas-microsoft-com:office:office" xmlns:v="urn:schemas-microsoft-com:vml" xmlns:pvml="urn:schemas-microsoft-com:office:powerpoint" xmlns:com="http://schemas.openxmlformats.org/drawingml/2006/compatibility" xmlns:p14="http://schemas.microsoft.com/office/powerpoint/2010/main" xmlns:p15="http://schemas.microsoft.com/office/powerpoint/2012/main" xmlns:ahyp="http://schemas.microsoft.com/office/drawing/2018/hyperlinkcolor">
+  <p:cSld>
+    <p:bg>
+      <p:bgPr>
+        <a:solidFill>
+          <a:srgbClr val="FFF15A"/>
+        </a:solidFill>
+      </p:bgPr>
+    </p:bg>
+    <p:spTree>
+      <p:nvGrpSpPr>
+        <p:cNvPr id="155" name="Shape 155"/>
+        <p:cNvGrpSpPr/>
+        <p:nvPr/>
+      </p:nvGrpSpPr>
+      <p:grpSpPr>
+        <a:xfrm>
+          <a:off x="0" y="0"/>
+          <a:ext cx="0" cy="0"/>
+          <a:chOff x="0" y="0"/>
+          <a:chExt cx="0" cy="0"/>
+        </a:xfrm>
+      </p:grpSpPr>
+      <p:pic>
+        <p:nvPicPr>
+          <p:cNvPr id="156" name="Google Shape;156;p27"/>
           <p:cNvPicPr preferRelativeResize="0"/>
           <p:nvPr/>
         </p:nvPicPr>
@@ -7577,7 +8960,7 @@
       </p:pic>
       <p:sp>
         <p:nvSpPr>
-          <p:cNvPr id="141" name="Google Shape;141;p25"/>
+          <p:cNvPr id="157" name="Google Shape;157;p27"/>
           <p:cNvSpPr txBox="1"/>
           <p:nvPr/>
         </p:nvSpPr>
@@ -7627,7 +9010,7 @@
       </p:sp>
       <p:sp>
         <p:nvSpPr>
-          <p:cNvPr id="142" name="Google Shape;142;p25"/>
+          <p:cNvPr id="158" name="Google Shape;158;p27"/>
           <p:cNvSpPr txBox="1"/>
           <p:nvPr/>
         </p:nvSpPr>
@@ -9099,7 +10482,7 @@
             <a:tbl>
               <a:tblPr>
                 <a:noFill/>
-                <a:tableStyleId>{7FB62E01-B73E-4F8C-AF50-3BD26C077AA2}</a:tableStyleId>
+                <a:tableStyleId>{3D4D884F-E311-4715-8D1F-5734A194A25C}</a:tableStyleId>
               </a:tblPr>
               <a:tblGrid>
                 <a:gridCol w="2056900"/>
